--- a/module1-text-data/presentation.pptx
+++ b/module1-text-data/presentation.pptx
@@ -9,6 +9,7 @@
     <p:sldId id="257" r:id="rId3"/>
     <p:sldId id="258" r:id="rId4"/>
     <p:sldId id="259" r:id="rId5"/>
+    <p:sldId id="260" r:id="rId6"/>
   </p:sldIdLst>
   <p:sldSz cx="12192000" cy="6858000"/>
   <p:notesSz cx="6858000" cy="9144000"/>
@@ -107,6 +108,11 @@
       </a:defRPr>
     </a:lvl9pPr>
   </p:defaultTextStyle>
+  <p:extLst>
+    <p:ext uri="{EFAFB233-063F-42B5-8137-9DF3F51BA10A}">
+      <p15:sldGuideLst xmlns:p15="http://schemas.microsoft.com/office/powerpoint/2012/main"/>
+    </p:ext>
+  </p:extLst>
 </p:presentation>
 </file>
 
@@ -249,7 +255,7 @@
           <a:p>
             <a:fld id="{6C3B5345-76AC-400C-8F53-302C701F5A56}" type="datetimeFigureOut">
               <a:rPr lang="en-US" smtClean="0"/>
-              <a:t>9/30/2019</a:t>
+              <a:t>10/1/2019</a:t>
             </a:fld>
             <a:endParaRPr lang="en-US"/>
           </a:p>
@@ -460,7 +466,7 @@
           <a:p>
             <a:fld id="{6C3B5345-76AC-400C-8F53-302C701F5A56}" type="datetimeFigureOut">
               <a:rPr lang="en-US" smtClean="0"/>
-              <a:t>9/30/2019</a:t>
+              <a:t>10/1/2019</a:t>
             </a:fld>
             <a:endParaRPr lang="en-US"/>
           </a:p>
@@ -675,7 +681,7 @@
           <a:p>
             <a:fld id="{6C3B5345-76AC-400C-8F53-302C701F5A56}" type="datetimeFigureOut">
               <a:rPr lang="en-US" smtClean="0"/>
-              <a:t>9/30/2019</a:t>
+              <a:t>10/1/2019</a:t>
             </a:fld>
             <a:endParaRPr lang="en-US"/>
           </a:p>
@@ -876,7 +882,7 @@
           <a:p>
             <a:fld id="{6C3B5345-76AC-400C-8F53-302C701F5A56}" type="datetimeFigureOut">
               <a:rPr lang="en-US" smtClean="0"/>
-              <a:t>9/30/2019</a:t>
+              <a:t>10/1/2019</a:t>
             </a:fld>
             <a:endParaRPr lang="en-US"/>
           </a:p>
@@ -1155,7 +1161,7 @@
           <a:p>
             <a:fld id="{6C3B5345-76AC-400C-8F53-302C701F5A56}" type="datetimeFigureOut">
               <a:rPr lang="en-US" smtClean="0"/>
-              <a:t>9/30/2019</a:t>
+              <a:t>10/1/2019</a:t>
             </a:fld>
             <a:endParaRPr lang="en-US"/>
           </a:p>
@@ -1423,7 +1429,7 @@
           <a:p>
             <a:fld id="{6C3B5345-76AC-400C-8F53-302C701F5A56}" type="datetimeFigureOut">
               <a:rPr lang="en-US" smtClean="0"/>
-              <a:t>9/30/2019</a:t>
+              <a:t>10/1/2019</a:t>
             </a:fld>
             <a:endParaRPr lang="en-US"/>
           </a:p>
@@ -1839,7 +1845,7 @@
           <a:p>
             <a:fld id="{6C3B5345-76AC-400C-8F53-302C701F5A56}" type="datetimeFigureOut">
               <a:rPr lang="en-US" smtClean="0"/>
-              <a:t>9/30/2019</a:t>
+              <a:t>10/1/2019</a:t>
             </a:fld>
             <a:endParaRPr lang="en-US"/>
           </a:p>
@@ -1988,7 +1994,7 @@
           <a:p>
             <a:fld id="{6C3B5345-76AC-400C-8F53-302C701F5A56}" type="datetimeFigureOut">
               <a:rPr lang="en-US" smtClean="0"/>
-              <a:t>9/30/2019</a:t>
+              <a:t>10/1/2019</a:t>
             </a:fld>
             <a:endParaRPr lang="en-US"/>
           </a:p>
@@ -2114,7 +2120,7 @@
           <a:p>
             <a:fld id="{6C3B5345-76AC-400C-8F53-302C701F5A56}" type="datetimeFigureOut">
               <a:rPr lang="en-US" smtClean="0"/>
-              <a:t>9/30/2019</a:t>
+              <a:t>10/1/2019</a:t>
             </a:fld>
             <a:endParaRPr lang="en-US"/>
           </a:p>
@@ -2365,7 +2371,7 @@
           <a:p>
             <a:fld id="{6C3B5345-76AC-400C-8F53-302C701F5A56}" type="datetimeFigureOut">
               <a:rPr lang="en-US" smtClean="0"/>
-              <a:t>9/30/2019</a:t>
+              <a:t>10/1/2019</a:t>
             </a:fld>
             <a:endParaRPr lang="en-US"/>
           </a:p>
@@ -2810,7 +2816,7 @@
           <a:p>
             <a:fld id="{6C3B5345-76AC-400C-8F53-302C701F5A56}" type="datetimeFigureOut">
               <a:rPr lang="en-US" smtClean="0"/>
-              <a:t>9/30/2019</a:t>
+              <a:t>10/1/2019</a:t>
             </a:fld>
             <a:endParaRPr lang="en-US"/>
           </a:p>
@@ -3137,7 +3143,7 @@
           <a:p>
             <a:fld id="{6C3B5345-76AC-400C-8F53-302C701F5A56}" type="datetimeFigureOut">
               <a:rPr lang="en-US" smtClean="0"/>
-              <a:t>9/30/2019</a:t>
+              <a:t>10/1/2019</a:t>
             </a:fld>
             <a:endParaRPr lang="en-US"/>
           </a:p>
@@ -3767,10 +3773,10 @@
       </p:sp>
       <p:pic>
         <p:nvPicPr>
-          <p:cNvPr id="5" name="Picture 4">
+          <p:cNvPr id="6" name="Picture 5">
             <a:extLst>
               <a:ext uri="{FF2B5EF4-FFF2-40B4-BE49-F238E27FC236}">
-                <a16:creationId xmlns:a16="http://schemas.microsoft.com/office/drawing/2014/main" id="{03CA51B9-A1F6-4A59-A23D-3BE46F5181E0}"/>
+                <a16:creationId xmlns:a16="http://schemas.microsoft.com/office/drawing/2014/main" id="{976E71F3-2A22-4CF6-B9AC-B6542D7ECEA7}"/>
               </a:ext>
             </a:extLst>
           </p:cNvPr>
@@ -3787,8 +3793,8 @@
         </p:blipFill>
         <p:spPr>
           <a:xfrm>
-            <a:off x="3024158" y="2824078"/>
-            <a:ext cx="2162477" cy="1209844"/>
+            <a:off x="6246948" y="2450220"/>
+            <a:ext cx="5868219" cy="2581635"/>
           </a:xfrm>
           <a:prstGeom prst="rect">
             <a:avLst/>
@@ -3797,10 +3803,10 @@
       </p:pic>
       <p:pic>
         <p:nvPicPr>
-          <p:cNvPr id="6" name="Picture 5">
+          <p:cNvPr id="4" name="Picture 3">
             <a:extLst>
               <a:ext uri="{FF2B5EF4-FFF2-40B4-BE49-F238E27FC236}">
-                <a16:creationId xmlns:a16="http://schemas.microsoft.com/office/drawing/2014/main" id="{976E71F3-2A22-4CF6-B9AC-B6542D7ECEA7}"/>
+                <a16:creationId xmlns:a16="http://schemas.microsoft.com/office/drawing/2014/main" id="{349E994B-9D2E-4A09-A5A8-36243B9EF18B}"/>
               </a:ext>
             </a:extLst>
           </p:cNvPr>
@@ -3817,8 +3823,8 @@
         </p:blipFill>
         <p:spPr>
           <a:xfrm>
-            <a:off x="6246948" y="2450220"/>
-            <a:ext cx="5868219" cy="2581635"/>
+            <a:off x="2871737" y="3014604"/>
+            <a:ext cx="2314898" cy="828791"/>
           </a:xfrm>
           <a:prstGeom prst="rect">
             <a:avLst/>
@@ -4027,7 +4033,10 @@
           <a:bodyPr/>
           <a:lstStyle/>
           <a:p>
-            <a:endParaRPr lang="en-US"/>
+            <a:r>
+              <a:rPr lang="en-US" dirty="0"/>
+              <a:t>Your competition</a:t>
+            </a:r>
           </a:p>
         </p:txBody>
       </p:sp>
@@ -4052,14 +4061,198 @@
           <a:bodyPr/>
           <a:lstStyle/>
           <a:p>
-            <a:endParaRPr lang="en-US"/>
-          </a:p>
-        </p:txBody>
-      </p:sp>
+            <a:r>
+              <a:rPr lang="en-US" dirty="0"/>
+              <a:t>I selected the reviews that talk about all other coffee shops (not yours). I did the same analysis and I found that the avg. rating was higher but that doesn’t mean your competition is doing. It means that there were a lot more reviews so the bad coffee shops ratings didn’t affect the other coffee shops’ rating.</a:t>
+            </a:r>
+          </a:p>
+        </p:txBody>
+      </p:sp>
+      <p:pic>
+        <p:nvPicPr>
+          <p:cNvPr id="4" name="Picture 3">
+            <a:extLst>
+              <a:ext uri="{FF2B5EF4-FFF2-40B4-BE49-F238E27FC236}">
+                <a16:creationId xmlns:a16="http://schemas.microsoft.com/office/drawing/2014/main" id="{6E3A7057-C736-4E85-BE8F-8C1D115D2F8A}"/>
+              </a:ext>
+            </a:extLst>
+          </p:cNvPr>
+          <p:cNvPicPr>
+            <a:picLocks noChangeAspect="1"/>
+          </p:cNvPicPr>
+          <p:nvPr/>
+        </p:nvPicPr>
+        <p:blipFill>
+          <a:blip r:embed="rId2"/>
+          <a:stretch>
+            <a:fillRect/>
+          </a:stretch>
+        </p:blipFill>
+        <p:spPr>
+          <a:xfrm>
+            <a:off x="5090972" y="3741038"/>
+            <a:ext cx="2010056" cy="543001"/>
+          </a:xfrm>
+          <a:prstGeom prst="rect">
+            <a:avLst/>
+          </a:prstGeom>
+        </p:spPr>
+      </p:pic>
     </p:spTree>
     <p:extLst>
       <p:ext uri="{BB962C8B-B14F-4D97-AF65-F5344CB8AC3E}">
         <p14:creationId xmlns:p14="http://schemas.microsoft.com/office/powerpoint/2010/main" val="87950790"/>
+      </p:ext>
+    </p:extLst>
+  </p:cSld>
+  <p:clrMapOvr>
+    <a:masterClrMapping/>
+  </p:clrMapOvr>
+</p:sld>
+</file>
+
+<file path=ppt/slides/slide5.xml><?xml version="1.0" encoding="utf-8"?>
+<p:sld xmlns:a="http://schemas.openxmlformats.org/drawingml/2006/main" xmlns:r="http://schemas.openxmlformats.org/officeDocument/2006/relationships" xmlns:p="http://schemas.openxmlformats.org/presentationml/2006/main">
+  <p:cSld>
+    <p:spTree>
+      <p:nvGrpSpPr>
+        <p:cNvPr id="1" name=""/>
+        <p:cNvGrpSpPr/>
+        <p:nvPr/>
+      </p:nvGrpSpPr>
+      <p:grpSpPr>
+        <a:xfrm>
+          <a:off x="0" y="0"/>
+          <a:ext cx="0" cy="0"/>
+          <a:chOff x="0" y="0"/>
+          <a:chExt cx="0" cy="0"/>
+        </a:xfrm>
+      </p:grpSpPr>
+      <p:sp>
+        <p:nvSpPr>
+          <p:cNvPr id="2" name="Title 1">
+            <a:extLst>
+              <a:ext uri="{FF2B5EF4-FFF2-40B4-BE49-F238E27FC236}">
+                <a16:creationId xmlns:a16="http://schemas.microsoft.com/office/drawing/2014/main" id="{BB8E7E81-6593-42DA-BA87-2E8595C18BB0}"/>
+              </a:ext>
+            </a:extLst>
+          </p:cNvPr>
+          <p:cNvSpPr>
+            <a:spLocks noGrp="1"/>
+          </p:cNvSpPr>
+          <p:nvPr>
+            <p:ph type="title"/>
+          </p:nvPr>
+        </p:nvSpPr>
+        <p:spPr/>
+        <p:txBody>
+          <a:bodyPr/>
+          <a:lstStyle/>
+          <a:p>
+            <a:r>
+              <a:rPr lang="en-US" dirty="0"/>
+              <a:t>The competition’s yelp reviews</a:t>
+            </a:r>
+          </a:p>
+        </p:txBody>
+      </p:sp>
+      <p:sp>
+        <p:nvSpPr>
+          <p:cNvPr id="3" name="Content Placeholder 2">
+            <a:extLst>
+              <a:ext uri="{FF2B5EF4-FFF2-40B4-BE49-F238E27FC236}">
+                <a16:creationId xmlns:a16="http://schemas.microsoft.com/office/drawing/2014/main" id="{9667DCC1-B520-4DCA-B0CF-EF2A94715E5B}"/>
+              </a:ext>
+            </a:extLst>
+          </p:cNvPr>
+          <p:cNvSpPr>
+            <a:spLocks noGrp="1"/>
+          </p:cNvSpPr>
+          <p:nvPr>
+            <p:ph idx="1"/>
+          </p:nvPr>
+        </p:nvSpPr>
+        <p:spPr/>
+        <p:txBody>
+          <a:bodyPr/>
+          <a:lstStyle/>
+          <a:p>
+            <a:r>
+              <a:rPr lang="en-US" dirty="0"/>
+              <a:t>I found the top 8 words found in the competition’s Yelp reviews:</a:t>
+            </a:r>
+          </a:p>
+          <a:p>
+            <a:r>
+              <a:rPr lang="en-US" dirty="0"/>
+              <a:t>There are a lot of similarities between your coffee shop’s reviews.</a:t>
+            </a:r>
+          </a:p>
+          <a:p>
+            <a:r>
+              <a:rPr lang="en-US" dirty="0"/>
+              <a:t>However, there are two words here that are on your list:</a:t>
+            </a:r>
+          </a:p>
+          <a:p>
+            <a:r>
+              <a:rPr lang="en-US" dirty="0"/>
+              <a:t>‘Little’ and ‘time’</a:t>
+            </a:r>
+          </a:p>
+          <a:p>
+            <a:r>
+              <a:rPr lang="en-US" dirty="0"/>
+              <a:t>‘Little’ could be associated with little space or little portions. It could also be associated with a the fact that many people had little to say. </a:t>
+            </a:r>
+          </a:p>
+          <a:p>
+            <a:r>
+              <a:rPr lang="en-US" dirty="0"/>
+              <a:t>‘Time’ could mean it took a while to receive their order or they spent a long </a:t>
+            </a:r>
+            <a:r>
+              <a:rPr lang="en-US"/>
+              <a:t>time there. </a:t>
+            </a:r>
+            <a:endParaRPr lang="en-US" dirty="0"/>
+          </a:p>
+        </p:txBody>
+      </p:sp>
+      <p:pic>
+        <p:nvPicPr>
+          <p:cNvPr id="4" name="Picture 3">
+            <a:extLst>
+              <a:ext uri="{FF2B5EF4-FFF2-40B4-BE49-F238E27FC236}">
+                <a16:creationId xmlns:a16="http://schemas.microsoft.com/office/drawing/2014/main" id="{8F5FB83F-54F1-4C7D-B085-87D9D7355E72}"/>
+              </a:ext>
+            </a:extLst>
+          </p:cNvPr>
+          <p:cNvPicPr>
+            <a:picLocks noChangeAspect="1"/>
+          </p:cNvPicPr>
+          <p:nvPr/>
+        </p:nvPicPr>
+        <p:blipFill>
+          <a:blip r:embed="rId2"/>
+          <a:stretch>
+            <a:fillRect/>
+          </a:stretch>
+        </p:blipFill>
+        <p:spPr>
+          <a:xfrm>
+            <a:off x="8770024" y="2015732"/>
+            <a:ext cx="1086002" cy="1438476"/>
+          </a:xfrm>
+          <a:prstGeom prst="rect">
+            <a:avLst/>
+          </a:prstGeom>
+        </p:spPr>
+      </p:pic>
+    </p:spTree>
+    <p:extLst>
+      <p:ext uri="{BB962C8B-B14F-4D97-AF65-F5344CB8AC3E}">
+        <p14:creationId xmlns:p14="http://schemas.microsoft.com/office/powerpoint/2010/main" val="3620262097"/>
       </p:ext>
     </p:extLst>
   </p:cSld>
